--- a/demo/2025-06-21/2025-06-21.pptx
+++ b/demo/2025-06-21/2025-06-21.pptx
@@ -5,7 +5,7 @@
     <p:sldMasterId id="2147483648" r:id="rId1"/>
   </p:sldMasterIdLst>
   <p:notesMasterIdLst>
-    <p:notesMasterId r:id="rId16"/>
+    <p:notesMasterId r:id="rId17"/>
   </p:notesMasterIdLst>
   <p:sldIdLst>
     <p:sldId id="412" r:id="rId2"/>
@@ -19,9 +19,10 @@
     <p:sldId id="436" r:id="rId10"/>
     <p:sldId id="442" r:id="rId11"/>
     <p:sldId id="443" r:id="rId12"/>
-    <p:sldId id="444" r:id="rId13"/>
-    <p:sldId id="445" r:id="rId14"/>
-    <p:sldId id="433" r:id="rId15"/>
+    <p:sldId id="446" r:id="rId13"/>
+    <p:sldId id="444" r:id="rId14"/>
+    <p:sldId id="445" r:id="rId15"/>
+    <p:sldId id="433" r:id="rId16"/>
   </p:sldIdLst>
   <p:sldSz cx="12192000" cy="6858000"/>
   <p:notesSz cx="7099300" cy="10234613"/>
@@ -791,7 +792,7 @@
               <a:pPr>
                 <a:defRPr/>
               </a:pPr>
-              <a:t>14</a:t>
+              <a:t>15</a:t>
             </a:fld>
             <a:endParaRPr lang="ja-JP" altLang="en-US"/>
           </a:p>
@@ -8479,6 +8480,330 @@
       </p:grpSpPr>
       <p:sp>
         <p:nvSpPr>
+          <p:cNvPr id="2" name="タイトル 1">
+            <a:extLst>
+              <a:ext uri="{FF2B5EF4-FFF2-40B4-BE49-F238E27FC236}">
+                <a16:creationId xmlns:a16="http://schemas.microsoft.com/office/drawing/2014/main" id="{4E526F89-4657-959C-E908-5D6A7D92B650}"/>
+              </a:ext>
+            </a:extLst>
+          </p:cNvPr>
+          <p:cNvSpPr>
+            <a:spLocks noGrp="1"/>
+          </p:cNvSpPr>
+          <p:nvPr>
+            <p:ph type="title"/>
+          </p:nvPr>
+        </p:nvSpPr>
+        <p:spPr/>
+        <p:txBody>
+          <a:bodyPr/>
+          <a:lstStyle/>
+          <a:p>
+            <a:r>
+              <a:rPr kumimoji="1" lang="ja-JP" altLang="en-US" dirty="0"/>
+              <a:t>複数字トークンへの拡張</a:t>
+            </a:r>
+          </a:p>
+        </p:txBody>
+      </p:sp>
+      <p:sp>
+        <p:nvSpPr>
+          <p:cNvPr id="3" name="コンテンツ プレースホルダー 2">
+            <a:extLst>
+              <a:ext uri="{FF2B5EF4-FFF2-40B4-BE49-F238E27FC236}">
+                <a16:creationId xmlns:a16="http://schemas.microsoft.com/office/drawing/2014/main" id="{39399A0B-D31F-DCD9-9BDD-AFE26547D15B}"/>
+              </a:ext>
+            </a:extLst>
+          </p:cNvPr>
+          <p:cNvSpPr>
+            <a:spLocks noGrp="1"/>
+          </p:cNvSpPr>
+          <p:nvPr>
+            <p:ph idx="1"/>
+          </p:nvPr>
+        </p:nvSpPr>
+        <p:spPr/>
+        <p:txBody>
+          <a:bodyPr/>
+          <a:lstStyle/>
+          <a:p>
+            <a:r>
+              <a:rPr lang="ja-JP" altLang="en-US" dirty="0"/>
+              <a:t>複数字トークンは</a:t>
+            </a:r>
+            <a:r>
+              <a:rPr kumimoji="1" lang="ja-JP" altLang="en-US" dirty="0"/>
+              <a:t>単文字に展開して</a:t>
+            </a:r>
+            <a:r>
+              <a:rPr kumimoji="1" lang="en-US" altLang="ja-JP" dirty="0" err="1">
+                <a:latin typeface="Calibri" panose="020F0502020204030204" pitchFamily="34" charset="0"/>
+                <a:ea typeface="Arial Unicode MS" panose="020B0604020202020204"/>
+                <a:cs typeface="Calibri" panose="020F0502020204030204" pitchFamily="34" charset="0"/>
+              </a:rPr>
+              <a:t>goeswith</a:t>
+            </a:r>
+            <a:r>
+              <a:rPr kumimoji="1" lang="ja-JP" altLang="en-US" dirty="0"/>
+              <a:t>で接続</a:t>
+            </a:r>
+          </a:p>
+        </p:txBody>
+      </p:sp>
+      <p:pic>
+        <p:nvPicPr>
+          <p:cNvPr id="5" name="図 4">
+            <a:extLst>
+              <a:ext uri="{FF2B5EF4-FFF2-40B4-BE49-F238E27FC236}">
+                <a16:creationId xmlns:a16="http://schemas.microsoft.com/office/drawing/2014/main" id="{167C56F2-F103-2938-42A1-64A445B6CAE1}"/>
+              </a:ext>
+            </a:extLst>
+          </p:cNvPr>
+          <p:cNvPicPr>
+            <a:picLocks noChangeAspect="1"/>
+          </p:cNvPicPr>
+          <p:nvPr/>
+        </p:nvPicPr>
+        <p:blipFill>
+          <a:blip r:embed="rId2" cstate="print">
+            <a:extLst>
+              <a:ext uri="{28A0092B-C50C-407E-A947-70E740481C1C}">
+                <a14:useLocalDpi xmlns:a14="http://schemas.microsoft.com/office/drawing/2010/main" val="0"/>
+              </a:ext>
+            </a:extLst>
+          </a:blip>
+          <a:stretch>
+            <a:fillRect/>
+          </a:stretch>
+        </p:blipFill>
+        <p:spPr>
+          <a:xfrm>
+            <a:off x="677737" y="3170817"/>
+            <a:ext cx="4763453" cy="2381726"/>
+          </a:xfrm>
+          <a:prstGeom prst="rect">
+            <a:avLst/>
+          </a:prstGeom>
+        </p:spPr>
+      </p:pic>
+      <p:grpSp>
+        <p:nvGrpSpPr>
+          <p:cNvPr id="9" name="グループ化 8">
+            <a:extLst>
+              <a:ext uri="{FF2B5EF4-FFF2-40B4-BE49-F238E27FC236}">
+                <a16:creationId xmlns:a16="http://schemas.microsoft.com/office/drawing/2014/main" id="{D4F6FF59-490C-712A-4EE1-89F2F0ECA6C5}"/>
+              </a:ext>
+            </a:extLst>
+          </p:cNvPr>
+          <p:cNvGrpSpPr/>
+          <p:nvPr/>
+        </p:nvGrpSpPr>
+        <p:grpSpPr>
+          <a:xfrm>
+            <a:off x="5271247" y="3170817"/>
+            <a:ext cx="6539753" cy="2381726"/>
+            <a:chOff x="5271247" y="3170817"/>
+            <a:chExt cx="6539753" cy="2381726"/>
+          </a:xfrm>
+        </p:grpSpPr>
+        <p:pic>
+          <p:nvPicPr>
+            <p:cNvPr id="7" name="図 6">
+              <a:extLst>
+                <a:ext uri="{FF2B5EF4-FFF2-40B4-BE49-F238E27FC236}">
+                  <a16:creationId xmlns:a16="http://schemas.microsoft.com/office/drawing/2014/main" id="{83DA0305-8581-26AE-9C38-B3BA987A8753}"/>
+                </a:ext>
+              </a:extLst>
+            </p:cNvPr>
+            <p:cNvPicPr>
+              <a:picLocks noChangeAspect="1"/>
+            </p:cNvPicPr>
+            <p:nvPr/>
+          </p:nvPicPr>
+          <p:blipFill>
+            <a:blip r:embed="rId3" cstate="print">
+              <a:extLst>
+                <a:ext uri="{28A0092B-C50C-407E-A947-70E740481C1C}">
+                  <a14:useLocalDpi xmlns:a14="http://schemas.microsoft.com/office/drawing/2010/main" val="0"/>
+                </a:ext>
+              </a:extLst>
+            </a:blip>
+            <a:stretch>
+              <a:fillRect/>
+            </a:stretch>
+          </p:blipFill>
+          <p:spPr>
+            <a:xfrm>
+              <a:off x="6096000" y="3170817"/>
+              <a:ext cx="5715000" cy="2381726"/>
+            </a:xfrm>
+            <a:prstGeom prst="rect">
+              <a:avLst/>
+            </a:prstGeom>
+          </p:spPr>
+        </p:pic>
+        <p:sp>
+          <p:nvSpPr>
+            <p:cNvPr id="8" name="矢印: 右 7">
+              <a:extLst>
+                <a:ext uri="{FF2B5EF4-FFF2-40B4-BE49-F238E27FC236}">
+                  <a16:creationId xmlns:a16="http://schemas.microsoft.com/office/drawing/2014/main" id="{045EB238-5FE2-7116-18B9-30AF25D3057F}"/>
+                </a:ext>
+              </a:extLst>
+            </p:cNvPr>
+            <p:cNvSpPr/>
+            <p:nvPr/>
+          </p:nvSpPr>
+          <p:spPr>
+            <a:xfrm>
+              <a:off x="5271247" y="3550024"/>
+              <a:ext cx="1097279" cy="1065007"/>
+            </a:xfrm>
+            <a:prstGeom prst="rightArrow">
+              <a:avLst/>
+            </a:prstGeom>
+          </p:spPr>
+          <p:style>
+            <a:lnRef idx="2">
+              <a:schemeClr val="accent1">
+                <a:shade val="15000"/>
+              </a:schemeClr>
+            </a:lnRef>
+            <a:fillRef idx="1">
+              <a:schemeClr val="accent1"/>
+            </a:fillRef>
+            <a:effectRef idx="0">
+              <a:schemeClr val="accent1"/>
+            </a:effectRef>
+            <a:fontRef idx="minor">
+              <a:schemeClr val="lt1"/>
+            </a:fontRef>
+          </p:style>
+          <p:txBody>
+            <a:bodyPr rtlCol="0" anchor="ctr"/>
+            <a:lstStyle/>
+            <a:p>
+              <a:pPr algn="ctr"/>
+              <a:endParaRPr kumimoji="1" lang="ja-JP" altLang="en-US"/>
+            </a:p>
+          </p:txBody>
+        </p:sp>
+      </p:grpSp>
+    </p:spTree>
+    <p:extLst>
+      <p:ext uri="{BB962C8B-B14F-4D97-AF65-F5344CB8AC3E}">
+        <p14:creationId xmlns:p14="http://schemas.microsoft.com/office/powerpoint/2010/main" val="4242843898"/>
+      </p:ext>
+    </p:extLst>
+  </p:cSld>
+  <p:clrMapOvr>
+    <a:masterClrMapping/>
+  </p:clrMapOvr>
+  <p:timing>
+    <p:tnLst>
+      <p:par>
+        <p:cTn id="1" dur="indefinite" restart="never" nodeType="tmRoot">
+          <p:childTnLst>
+            <p:seq concurrent="1" nextAc="seek">
+              <p:cTn id="2" dur="indefinite" nodeType="mainSeq">
+                <p:childTnLst>
+                  <p:par>
+                    <p:cTn id="3" fill="hold">
+                      <p:stCondLst>
+                        <p:cond delay="indefinite"/>
+                      </p:stCondLst>
+                      <p:childTnLst>
+                        <p:par>
+                          <p:cTn id="4" fill="hold">
+                            <p:stCondLst>
+                              <p:cond delay="0"/>
+                            </p:stCondLst>
+                            <p:childTnLst>
+                              <p:par>
+                                <p:cTn id="5" presetID="22" presetClass="entr" presetSubtype="8" fill="hold" nodeType="clickEffect">
+                                  <p:stCondLst>
+                                    <p:cond delay="0"/>
+                                  </p:stCondLst>
+                                  <p:childTnLst>
+                                    <p:set>
+                                      <p:cBhvr>
+                                        <p:cTn id="6" dur="1" fill="hold">
+                                          <p:stCondLst>
+                                            <p:cond delay="0"/>
+                                          </p:stCondLst>
+                                        </p:cTn>
+                                        <p:tgtEl>
+                                          <p:spTgt spid="9"/>
+                                        </p:tgtEl>
+                                        <p:attrNameLst>
+                                          <p:attrName>style.visibility</p:attrName>
+                                        </p:attrNameLst>
+                                      </p:cBhvr>
+                                      <p:to>
+                                        <p:strVal val="visible"/>
+                                      </p:to>
+                                    </p:set>
+                                    <p:animEffect transition="in" filter="wipe(left)">
+                                      <p:cBhvr>
+                                        <p:cTn id="7" dur="500"/>
+                                        <p:tgtEl>
+                                          <p:spTgt spid="9"/>
+                                        </p:tgtEl>
+                                      </p:cBhvr>
+                                    </p:animEffect>
+                                  </p:childTnLst>
+                                </p:cTn>
+                              </p:par>
+                            </p:childTnLst>
+                          </p:cTn>
+                        </p:par>
+                      </p:childTnLst>
+                    </p:cTn>
+                  </p:par>
+                </p:childTnLst>
+              </p:cTn>
+              <p:prevCondLst>
+                <p:cond evt="onPrev" delay="0">
+                  <p:tgtEl>
+                    <p:sldTgt/>
+                  </p:tgtEl>
+                </p:cond>
+              </p:prevCondLst>
+              <p:nextCondLst>
+                <p:cond evt="onNext" delay="0">
+                  <p:tgtEl>
+                    <p:sldTgt/>
+                  </p:tgtEl>
+                </p:cond>
+              </p:nextCondLst>
+            </p:seq>
+          </p:childTnLst>
+        </p:cTn>
+      </p:par>
+    </p:tnLst>
+  </p:timing>
+</p:sld>
+</file>
+
+<file path=ppt/slides/slide13.xml><?xml version="1.0" encoding="utf-8"?>
+<p:sld xmlns:a="http://schemas.openxmlformats.org/drawingml/2006/main" xmlns:r="http://schemas.openxmlformats.org/officeDocument/2006/relationships" xmlns:p="http://schemas.openxmlformats.org/presentationml/2006/main">
+  <p:cSld>
+    <p:spTree>
+      <p:nvGrpSpPr>
+        <p:cNvPr id="1" name=""/>
+        <p:cNvGrpSpPr/>
+        <p:nvPr/>
+      </p:nvGrpSpPr>
+      <p:grpSpPr>
+        <a:xfrm>
+          <a:off x="0" y="0"/>
+          <a:ext cx="0" cy="0"/>
+          <a:chOff x="0" y="0"/>
+          <a:chExt cx="0" cy="0"/>
+        </a:xfrm>
+      </p:grpSpPr>
+      <p:sp>
+        <p:nvSpPr>
           <p:cNvPr id="2" name="タイトル 1"/>
           <p:cNvSpPr>
             <a:spLocks noGrp="1"/>
@@ -8958,7 +9283,7 @@
 </p:sld>
 </file>
 
-<file path=ppt/slides/slide13.xml><?xml version="1.0" encoding="utf-8"?>
+<file path=ppt/slides/slide14.xml><?xml version="1.0" encoding="utf-8"?>
 <p:sld xmlns:a="http://schemas.openxmlformats.org/drawingml/2006/main" xmlns:r="http://schemas.openxmlformats.org/officeDocument/2006/relationships" xmlns:p="http://schemas.openxmlformats.org/presentationml/2006/main">
   <p:cSld>
     <p:spTree>
@@ -9156,7 +9481,7 @@
 </p:sld>
 </file>
 
-<file path=ppt/slides/slide14.xml><?xml version="1.0" encoding="utf-8"?>
+<file path=ppt/slides/slide15.xml><?xml version="1.0" encoding="utf-8"?>
 <p:sld xmlns:a="http://schemas.openxmlformats.org/drawingml/2006/main" xmlns:r="http://schemas.openxmlformats.org/officeDocument/2006/relationships" xmlns:p="http://schemas.openxmlformats.org/presentationml/2006/main">
   <p:cSld>
     <p:spTree>
@@ -10273,6 +10598,14 @@
             <a:r>
               <a:rPr lang="ja-JP" altLang="en-US" dirty="0"/>
               <a:t>モデル</a:t>
+            </a:r>
+            <a:endParaRPr lang="en-US" altLang="ja-JP" dirty="0"/>
+          </a:p>
+          <a:p>
+            <a:pPr lvl="1"/>
+            <a:r>
+              <a:rPr lang="ja-JP" altLang="en-US" dirty="0"/>
+              <a:t>単文字トークナイザを使用</a:t>
             </a:r>
             <a:endParaRPr lang="en-US" altLang="ja-JP" dirty="0"/>
           </a:p>
